--- a/soft/软件设计师.pptx
+++ b/soft/软件设计师.pptx
@@ -8,6 +8,7 @@
     <p:sldId id="256" r:id="rId2"/>
     <p:sldId id="257" r:id="rId3"/>
     <p:sldId id="258" r:id="rId4"/>
+    <p:sldId id="259" r:id="rId5"/>
   </p:sldIdLst>
   <p:sldSz cx="12192000" cy="6858000"/>
   <p:notesSz cx="6858000" cy="9144000"/>
@@ -106,6 +107,11 @@
       </a:defRPr>
     </a:lvl9pPr>
   </p:defaultTextStyle>
+  <p:extLst>
+    <p:ext uri="{EFAFB233-063F-42B5-8137-9DF3F51BA10A}">
+      <p15:sldGuideLst xmlns:p15="http://schemas.microsoft.com/office/powerpoint/2012/main"/>
+    </p:ext>
+  </p:extLst>
 </p:presentation>
 </file>
 
@@ -256,7 +262,7 @@
           <a:p>
             <a:fld id="{59767A5D-75E6-4090-A9A2-19F46C902D8D}" type="datetimeFigureOut">
               <a:rPr lang="zh-CN" altLang="en-US" smtClean="0"/>
-              <a:t>2023/9/12</a:t>
+              <a:t>2023/9/13</a:t>
             </a:fld>
             <a:endParaRPr lang="zh-CN" altLang="en-US"/>
           </a:p>
@@ -454,7 +460,7 @@
           <a:p>
             <a:fld id="{59767A5D-75E6-4090-A9A2-19F46C902D8D}" type="datetimeFigureOut">
               <a:rPr lang="zh-CN" altLang="en-US" smtClean="0"/>
-              <a:t>2023/9/12</a:t>
+              <a:t>2023/9/13</a:t>
             </a:fld>
             <a:endParaRPr lang="zh-CN" altLang="en-US"/>
           </a:p>
@@ -662,7 +668,7 @@
           <a:p>
             <a:fld id="{59767A5D-75E6-4090-A9A2-19F46C902D8D}" type="datetimeFigureOut">
               <a:rPr lang="zh-CN" altLang="en-US" smtClean="0"/>
-              <a:t>2023/9/12</a:t>
+              <a:t>2023/9/13</a:t>
             </a:fld>
             <a:endParaRPr lang="zh-CN" altLang="en-US"/>
           </a:p>
@@ -860,7 +866,7 @@
           <a:p>
             <a:fld id="{59767A5D-75E6-4090-A9A2-19F46C902D8D}" type="datetimeFigureOut">
               <a:rPr lang="zh-CN" altLang="en-US" smtClean="0"/>
-              <a:t>2023/9/12</a:t>
+              <a:t>2023/9/13</a:t>
             </a:fld>
             <a:endParaRPr lang="zh-CN" altLang="en-US"/>
           </a:p>
@@ -1135,7 +1141,7 @@
           <a:p>
             <a:fld id="{59767A5D-75E6-4090-A9A2-19F46C902D8D}" type="datetimeFigureOut">
               <a:rPr lang="zh-CN" altLang="en-US" smtClean="0"/>
-              <a:t>2023/9/12</a:t>
+              <a:t>2023/9/13</a:t>
             </a:fld>
             <a:endParaRPr lang="zh-CN" altLang="en-US"/>
           </a:p>
@@ -1400,7 +1406,7 @@
           <a:p>
             <a:fld id="{59767A5D-75E6-4090-A9A2-19F46C902D8D}" type="datetimeFigureOut">
               <a:rPr lang="zh-CN" altLang="en-US" smtClean="0"/>
-              <a:t>2023/9/12</a:t>
+              <a:t>2023/9/13</a:t>
             </a:fld>
             <a:endParaRPr lang="zh-CN" altLang="en-US"/>
           </a:p>
@@ -1812,7 +1818,7 @@
           <a:p>
             <a:fld id="{59767A5D-75E6-4090-A9A2-19F46C902D8D}" type="datetimeFigureOut">
               <a:rPr lang="zh-CN" altLang="en-US" smtClean="0"/>
-              <a:t>2023/9/12</a:t>
+              <a:t>2023/9/13</a:t>
             </a:fld>
             <a:endParaRPr lang="zh-CN" altLang="en-US"/>
           </a:p>
@@ -1953,7 +1959,7 @@
           <a:p>
             <a:fld id="{59767A5D-75E6-4090-A9A2-19F46C902D8D}" type="datetimeFigureOut">
               <a:rPr lang="zh-CN" altLang="en-US" smtClean="0"/>
-              <a:t>2023/9/12</a:t>
+              <a:t>2023/9/13</a:t>
             </a:fld>
             <a:endParaRPr lang="zh-CN" altLang="en-US"/>
           </a:p>
@@ -2066,7 +2072,7 @@
           <a:p>
             <a:fld id="{59767A5D-75E6-4090-A9A2-19F46C902D8D}" type="datetimeFigureOut">
               <a:rPr lang="zh-CN" altLang="en-US" smtClean="0"/>
-              <a:t>2023/9/12</a:t>
+              <a:t>2023/9/13</a:t>
             </a:fld>
             <a:endParaRPr lang="zh-CN" altLang="en-US"/>
           </a:p>
@@ -2377,7 +2383,7 @@
           <a:p>
             <a:fld id="{59767A5D-75E6-4090-A9A2-19F46C902D8D}" type="datetimeFigureOut">
               <a:rPr lang="zh-CN" altLang="en-US" smtClean="0"/>
-              <a:t>2023/9/12</a:t>
+              <a:t>2023/9/13</a:t>
             </a:fld>
             <a:endParaRPr lang="zh-CN" altLang="en-US"/>
           </a:p>
@@ -2665,7 +2671,7 @@
           <a:p>
             <a:fld id="{59767A5D-75E6-4090-A9A2-19F46C902D8D}" type="datetimeFigureOut">
               <a:rPr lang="zh-CN" altLang="en-US" smtClean="0"/>
-              <a:t>2023/9/12</a:t>
+              <a:t>2023/9/13</a:t>
             </a:fld>
             <a:endParaRPr lang="zh-CN" altLang="en-US"/>
           </a:p>
@@ -2906,7 +2912,7 @@
           <a:p>
             <a:fld id="{59767A5D-75E6-4090-A9A2-19F46C902D8D}" type="datetimeFigureOut">
               <a:rPr lang="zh-CN" altLang="en-US" smtClean="0"/>
-              <a:t>2023/9/12</a:t>
+              <a:t>2023/9/13</a:t>
             </a:fld>
             <a:endParaRPr lang="zh-CN" altLang="en-US"/>
           </a:p>
@@ -4691,6 +4697,534 @@
 </p:sld>
 </file>
 
+<file path=ppt/slides/slide4.xml><?xml version="1.0" encoding="utf-8"?>
+<p:sld xmlns:a="http://schemas.openxmlformats.org/drawingml/2006/main" xmlns:r="http://schemas.openxmlformats.org/officeDocument/2006/relationships" xmlns:p="http://schemas.openxmlformats.org/presentationml/2006/main">
+  <p:cSld>
+    <p:spTree>
+      <p:nvGrpSpPr>
+        <p:cNvPr id="1" name=""/>
+        <p:cNvGrpSpPr/>
+        <p:nvPr/>
+      </p:nvGrpSpPr>
+      <p:grpSpPr>
+        <a:xfrm>
+          <a:off x="0" y="0"/>
+          <a:ext cx="0" cy="0"/>
+          <a:chOff x="0" y="0"/>
+          <a:chExt cx="0" cy="0"/>
+        </a:xfrm>
+      </p:grpSpPr>
+      <p:sp>
+        <p:nvSpPr>
+          <p:cNvPr id="4" name="矩形: 圆角 3">
+            <a:extLst>
+              <a:ext uri="{FF2B5EF4-FFF2-40B4-BE49-F238E27FC236}">
+                <a16:creationId xmlns:a16="http://schemas.microsoft.com/office/drawing/2014/main" id="{EA8CD2B8-C998-88EE-1110-9E9E47BF5BC7}"/>
+              </a:ext>
+            </a:extLst>
+          </p:cNvPr>
+          <p:cNvSpPr/>
+          <p:nvPr/>
+        </p:nvSpPr>
+        <p:spPr>
+          <a:xfrm>
+            <a:off x="3999345" y="607162"/>
+            <a:ext cx="4451928" cy="5100911"/>
+          </a:xfrm>
+          <a:prstGeom prst="roundRect">
+            <a:avLst/>
+          </a:prstGeom>
+        </p:spPr>
+        <p:style>
+          <a:lnRef idx="2">
+            <a:schemeClr val="accent5"/>
+          </a:lnRef>
+          <a:fillRef idx="1">
+            <a:schemeClr val="lt1"/>
+          </a:fillRef>
+          <a:effectRef idx="0">
+            <a:schemeClr val="accent5"/>
+          </a:effectRef>
+          <a:fontRef idx="minor">
+            <a:schemeClr val="dk1"/>
+          </a:fontRef>
+        </p:style>
+        <p:txBody>
+          <a:bodyPr rtlCol="0" anchor="b" anchorCtr="0"/>
+          <a:lstStyle/>
+          <a:p>
+            <a:pPr algn="ctr"/>
+            <a:r>
+              <a:rPr lang="zh-CN" altLang="en-US" dirty="0"/>
+              <a:t>主机</a:t>
+            </a:r>
+          </a:p>
+        </p:txBody>
+      </p:sp>
+      <p:sp>
+        <p:nvSpPr>
+          <p:cNvPr id="5" name="矩形: 圆角 4">
+            <a:extLst>
+              <a:ext uri="{FF2B5EF4-FFF2-40B4-BE49-F238E27FC236}">
+                <a16:creationId xmlns:a16="http://schemas.microsoft.com/office/drawing/2014/main" id="{E5D4AC11-430A-965A-4FA1-9088720FD103}"/>
+              </a:ext>
+            </a:extLst>
+          </p:cNvPr>
+          <p:cNvSpPr/>
+          <p:nvPr/>
+        </p:nvSpPr>
+        <p:spPr>
+          <a:xfrm>
+            <a:off x="4433455" y="1034472"/>
+            <a:ext cx="3648363" cy="1921163"/>
+          </a:xfrm>
+          <a:prstGeom prst="roundRect">
+            <a:avLst/>
+          </a:prstGeom>
+        </p:spPr>
+        <p:style>
+          <a:lnRef idx="2">
+            <a:schemeClr val="accent2"/>
+          </a:lnRef>
+          <a:fillRef idx="1">
+            <a:schemeClr val="lt1"/>
+          </a:fillRef>
+          <a:effectRef idx="0">
+            <a:schemeClr val="accent2"/>
+          </a:effectRef>
+          <a:fontRef idx="minor">
+            <a:schemeClr val="dk1"/>
+          </a:fontRef>
+        </p:style>
+        <p:txBody>
+          <a:bodyPr rtlCol="0" anchor="t" anchorCtr="0"/>
+          <a:lstStyle/>
+          <a:p>
+            <a:pPr algn="ctr"/>
+            <a:r>
+              <a:rPr lang="en-US" altLang="zh-CN" dirty="0"/>
+              <a:t>CPU</a:t>
+            </a:r>
+            <a:endParaRPr lang="zh-CN" altLang="en-US" dirty="0"/>
+          </a:p>
+        </p:txBody>
+      </p:sp>
+      <p:sp>
+        <p:nvSpPr>
+          <p:cNvPr id="6" name="矩形: 圆角 5">
+            <a:extLst>
+              <a:ext uri="{FF2B5EF4-FFF2-40B4-BE49-F238E27FC236}">
+                <a16:creationId xmlns:a16="http://schemas.microsoft.com/office/drawing/2014/main" id="{108FF814-7C81-97F0-BBA3-AA5BC01D8197}"/>
+              </a:ext>
+            </a:extLst>
+          </p:cNvPr>
+          <p:cNvSpPr/>
+          <p:nvPr/>
+        </p:nvSpPr>
+        <p:spPr>
+          <a:xfrm>
+            <a:off x="4414982" y="3611418"/>
+            <a:ext cx="3814618" cy="858982"/>
+          </a:xfrm>
+          <a:prstGeom prst="roundRect">
+            <a:avLst/>
+          </a:prstGeom>
+        </p:spPr>
+        <p:style>
+          <a:lnRef idx="1">
+            <a:schemeClr val="accent6"/>
+          </a:lnRef>
+          <a:fillRef idx="3">
+            <a:schemeClr val="accent6"/>
+          </a:fillRef>
+          <a:effectRef idx="2">
+            <a:schemeClr val="accent6"/>
+          </a:effectRef>
+          <a:fontRef idx="minor">
+            <a:schemeClr val="lt1"/>
+          </a:fontRef>
+        </p:style>
+        <p:txBody>
+          <a:bodyPr rtlCol="0" anchor="ctr"/>
+          <a:lstStyle/>
+          <a:p>
+            <a:pPr algn="ctr"/>
+            <a:r>
+              <a:rPr lang="zh-CN" altLang="en-US" dirty="0"/>
+              <a:t>主存储器</a:t>
+            </a:r>
+          </a:p>
+        </p:txBody>
+      </p:sp>
+      <p:sp>
+        <p:nvSpPr>
+          <p:cNvPr id="7" name="矩形: 圆角 6">
+            <a:extLst>
+              <a:ext uri="{FF2B5EF4-FFF2-40B4-BE49-F238E27FC236}">
+                <a16:creationId xmlns:a16="http://schemas.microsoft.com/office/drawing/2014/main" id="{9F4F3517-F122-3B37-3E64-8E123AD6EAE0}"/>
+              </a:ext>
+            </a:extLst>
+          </p:cNvPr>
+          <p:cNvSpPr/>
+          <p:nvPr/>
+        </p:nvSpPr>
+        <p:spPr>
+          <a:xfrm>
+            <a:off x="4710548" y="1560945"/>
+            <a:ext cx="1394691" cy="1043710"/>
+          </a:xfrm>
+          <a:prstGeom prst="roundRect">
+            <a:avLst/>
+          </a:prstGeom>
+        </p:spPr>
+        <p:style>
+          <a:lnRef idx="0">
+            <a:schemeClr val="accent6"/>
+          </a:lnRef>
+          <a:fillRef idx="3">
+            <a:schemeClr val="accent6"/>
+          </a:fillRef>
+          <a:effectRef idx="3">
+            <a:schemeClr val="accent6"/>
+          </a:effectRef>
+          <a:fontRef idx="minor">
+            <a:schemeClr val="lt1"/>
+          </a:fontRef>
+        </p:style>
+        <p:txBody>
+          <a:bodyPr rtlCol="0" anchor="ctr"/>
+          <a:lstStyle/>
+          <a:p>
+            <a:pPr algn="ctr"/>
+            <a:r>
+              <a:rPr lang="zh-CN" altLang="en-US" dirty="0"/>
+              <a:t>运算器</a:t>
+            </a:r>
+          </a:p>
+        </p:txBody>
+      </p:sp>
+      <p:sp>
+        <p:nvSpPr>
+          <p:cNvPr id="8" name="矩形: 圆角 7">
+            <a:extLst>
+              <a:ext uri="{FF2B5EF4-FFF2-40B4-BE49-F238E27FC236}">
+                <a16:creationId xmlns:a16="http://schemas.microsoft.com/office/drawing/2014/main" id="{6E352DC8-9601-5450-4A74-7BCC9FE59276}"/>
+              </a:ext>
+            </a:extLst>
+          </p:cNvPr>
+          <p:cNvSpPr/>
+          <p:nvPr/>
+        </p:nvSpPr>
+        <p:spPr>
+          <a:xfrm>
+            <a:off x="6437748" y="1560945"/>
+            <a:ext cx="1394691" cy="1043710"/>
+          </a:xfrm>
+          <a:prstGeom prst="roundRect">
+            <a:avLst/>
+          </a:prstGeom>
+        </p:spPr>
+        <p:style>
+          <a:lnRef idx="0">
+            <a:schemeClr val="accent6"/>
+          </a:lnRef>
+          <a:fillRef idx="3">
+            <a:schemeClr val="accent6"/>
+          </a:fillRef>
+          <a:effectRef idx="3">
+            <a:schemeClr val="accent6"/>
+          </a:effectRef>
+          <a:fontRef idx="minor">
+            <a:schemeClr val="lt1"/>
+          </a:fontRef>
+        </p:style>
+        <p:txBody>
+          <a:bodyPr rtlCol="0" anchor="ctr"/>
+          <a:lstStyle/>
+          <a:p>
+            <a:pPr algn="ctr"/>
+            <a:r>
+              <a:rPr lang="zh-CN" altLang="en-US" dirty="0"/>
+              <a:t>控制器</a:t>
+            </a:r>
+          </a:p>
+        </p:txBody>
+      </p:sp>
+      <p:sp>
+        <p:nvSpPr>
+          <p:cNvPr id="9" name="矩形 8">
+            <a:extLst>
+              <a:ext uri="{FF2B5EF4-FFF2-40B4-BE49-F238E27FC236}">
+                <a16:creationId xmlns:a16="http://schemas.microsoft.com/office/drawing/2014/main" id="{AE68E955-A4D8-64E5-FA02-CC5717A98538}"/>
+              </a:ext>
+            </a:extLst>
+          </p:cNvPr>
+          <p:cNvSpPr/>
+          <p:nvPr/>
+        </p:nvSpPr>
+        <p:spPr>
+          <a:xfrm>
+            <a:off x="660399" y="1380834"/>
+            <a:ext cx="2133600" cy="1293092"/>
+          </a:xfrm>
+          <a:prstGeom prst="rect">
+            <a:avLst/>
+          </a:prstGeom>
+        </p:spPr>
+        <p:style>
+          <a:lnRef idx="2">
+            <a:schemeClr val="accent1"/>
+          </a:lnRef>
+          <a:fillRef idx="1">
+            <a:schemeClr val="lt1"/>
+          </a:fillRef>
+          <a:effectRef idx="0">
+            <a:schemeClr val="accent1"/>
+          </a:effectRef>
+          <a:fontRef idx="minor">
+            <a:schemeClr val="dk1"/>
+          </a:fontRef>
+        </p:style>
+        <p:txBody>
+          <a:bodyPr rtlCol="0" anchor="ctr"/>
+          <a:lstStyle/>
+          <a:p>
+            <a:pPr marL="342900" indent="-342900">
+              <a:buAutoNum type="arabicPeriod"/>
+            </a:pPr>
+            <a:r>
+              <a:rPr lang="zh-CN" altLang="en-US" sz="1400" dirty="0"/>
+              <a:t>算术逻辑单元</a:t>
+            </a:r>
+            <a:r>
+              <a:rPr lang="en-US" altLang="zh-CN" sz="1400" dirty="0"/>
+              <a:t>ALU</a:t>
+            </a:r>
+          </a:p>
+          <a:p>
+            <a:pPr marL="342900" indent="-342900">
+              <a:buAutoNum type="arabicPeriod"/>
+            </a:pPr>
+            <a:r>
+              <a:rPr lang="zh-CN" altLang="en-US" sz="1400" dirty="0"/>
+              <a:t>累加寄存器</a:t>
+            </a:r>
+            <a:r>
+              <a:rPr lang="en-US" altLang="zh-CN" sz="1400" dirty="0"/>
+              <a:t>AC</a:t>
+            </a:r>
+          </a:p>
+          <a:p>
+            <a:pPr marL="342900" indent="-342900">
+              <a:buAutoNum type="arabicPeriod"/>
+            </a:pPr>
+            <a:r>
+              <a:rPr lang="zh-CN" altLang="en-US" sz="1400" dirty="0"/>
+              <a:t>数据缓冲寄存器</a:t>
+            </a:r>
+            <a:r>
+              <a:rPr lang="en-US" altLang="zh-CN" sz="1400" dirty="0"/>
+              <a:t>DR</a:t>
+            </a:r>
+          </a:p>
+          <a:p>
+            <a:pPr marL="342900" indent="-342900">
+              <a:buAutoNum type="arabicPeriod"/>
+            </a:pPr>
+            <a:r>
+              <a:rPr lang="zh-CN" altLang="en-US" sz="1400" dirty="0"/>
+              <a:t>状态条件寄存器</a:t>
+            </a:r>
+            <a:r>
+              <a:rPr lang="en-US" altLang="zh-CN" sz="1400" dirty="0"/>
+              <a:t>PSW</a:t>
+            </a:r>
+            <a:endParaRPr lang="zh-CN" altLang="en-US" sz="1400" dirty="0"/>
+          </a:p>
+        </p:txBody>
+      </p:sp>
+      <p:sp>
+        <p:nvSpPr>
+          <p:cNvPr id="10" name="矩形 9">
+            <a:extLst>
+              <a:ext uri="{FF2B5EF4-FFF2-40B4-BE49-F238E27FC236}">
+                <a16:creationId xmlns:a16="http://schemas.microsoft.com/office/drawing/2014/main" id="{50F091A7-A4C4-862B-316B-8EEB892F1B7F}"/>
+              </a:ext>
+            </a:extLst>
+          </p:cNvPr>
+          <p:cNvSpPr/>
+          <p:nvPr/>
+        </p:nvSpPr>
+        <p:spPr>
+          <a:xfrm>
+            <a:off x="9707419" y="1380834"/>
+            <a:ext cx="1717964" cy="1293092"/>
+          </a:xfrm>
+          <a:prstGeom prst="rect">
+            <a:avLst/>
+          </a:prstGeom>
+        </p:spPr>
+        <p:style>
+          <a:lnRef idx="2">
+            <a:schemeClr val="accent1"/>
+          </a:lnRef>
+          <a:fillRef idx="1">
+            <a:schemeClr val="lt1"/>
+          </a:fillRef>
+          <a:effectRef idx="0">
+            <a:schemeClr val="accent1"/>
+          </a:effectRef>
+          <a:fontRef idx="minor">
+            <a:schemeClr val="dk1"/>
+          </a:fontRef>
+        </p:style>
+        <p:txBody>
+          <a:bodyPr rtlCol="0" anchor="ctr"/>
+          <a:lstStyle/>
+          <a:p>
+            <a:pPr marL="342900" indent="-342900">
+              <a:buAutoNum type="arabicPeriod"/>
+            </a:pPr>
+            <a:r>
+              <a:rPr lang="zh-CN" altLang="en-US" sz="1400" dirty="0"/>
+              <a:t>程序计数器</a:t>
+            </a:r>
+            <a:r>
+              <a:rPr lang="en-US" altLang="zh-CN" sz="1400" dirty="0"/>
+              <a:t>PC</a:t>
+            </a:r>
+          </a:p>
+          <a:p>
+            <a:pPr marL="342900" indent="-342900">
+              <a:buAutoNum type="arabicPeriod"/>
+            </a:pPr>
+            <a:r>
+              <a:rPr lang="zh-CN" altLang="en-US" sz="1400" dirty="0"/>
+              <a:t>指令寄存器</a:t>
+            </a:r>
+            <a:r>
+              <a:rPr lang="en-US" altLang="zh-CN" sz="1400" dirty="0"/>
+              <a:t>IR</a:t>
+            </a:r>
+          </a:p>
+          <a:p>
+            <a:pPr marL="342900" indent="-342900">
+              <a:buAutoNum type="arabicPeriod"/>
+            </a:pPr>
+            <a:r>
+              <a:rPr lang="zh-CN" altLang="en-US" sz="1400" dirty="0"/>
+              <a:t>指令译码器</a:t>
+            </a:r>
+            <a:endParaRPr lang="en-US" altLang="zh-CN" sz="1400" dirty="0"/>
+          </a:p>
+          <a:p>
+            <a:pPr marL="342900" indent="-342900">
+              <a:buAutoNum type="arabicPeriod"/>
+            </a:pPr>
+            <a:r>
+              <a:rPr lang="zh-CN" altLang="en-US" sz="1400" dirty="0"/>
+              <a:t>时序部件</a:t>
+            </a:r>
+          </a:p>
+        </p:txBody>
+      </p:sp>
+      <p:cxnSp>
+        <p:nvCxnSpPr>
+          <p:cNvPr id="12" name="直接箭头连接符 11">
+            <a:extLst>
+              <a:ext uri="{FF2B5EF4-FFF2-40B4-BE49-F238E27FC236}">
+                <a16:creationId xmlns:a16="http://schemas.microsoft.com/office/drawing/2014/main" id="{170F7F9A-6208-9F82-8FF1-A67A1668B0B6}"/>
+              </a:ext>
+            </a:extLst>
+          </p:cNvPr>
+          <p:cNvCxnSpPr>
+            <a:stCxn id="7" idx="1"/>
+            <a:endCxn id="9" idx="3"/>
+          </p:cNvCxnSpPr>
+          <p:nvPr/>
+        </p:nvCxnSpPr>
+        <p:spPr>
+          <a:xfrm flipH="1" flipV="1">
+            <a:off x="2793999" y="2027380"/>
+            <a:ext cx="1916549" cy="55420"/>
+          </a:xfrm>
+          <a:prstGeom prst="straightConnector1">
+            <a:avLst/>
+          </a:prstGeom>
+          <a:ln>
+            <a:tailEnd type="triangle"/>
+          </a:ln>
+        </p:spPr>
+        <p:style>
+          <a:lnRef idx="2">
+            <a:schemeClr val="accent6"/>
+          </a:lnRef>
+          <a:fillRef idx="0">
+            <a:schemeClr val="accent6"/>
+          </a:fillRef>
+          <a:effectRef idx="1">
+            <a:schemeClr val="accent6"/>
+          </a:effectRef>
+          <a:fontRef idx="minor">
+            <a:schemeClr val="tx1"/>
+          </a:fontRef>
+        </p:style>
+      </p:cxnSp>
+      <p:cxnSp>
+        <p:nvCxnSpPr>
+          <p:cNvPr id="14" name="直接箭头连接符 13">
+            <a:extLst>
+              <a:ext uri="{FF2B5EF4-FFF2-40B4-BE49-F238E27FC236}">
+                <a16:creationId xmlns:a16="http://schemas.microsoft.com/office/drawing/2014/main" id="{FB2704F7-FCF4-F0A0-5147-55A6F8B66C2E}"/>
+              </a:ext>
+            </a:extLst>
+          </p:cNvPr>
+          <p:cNvCxnSpPr>
+            <a:stCxn id="8" idx="3"/>
+            <a:endCxn id="10" idx="1"/>
+          </p:cNvCxnSpPr>
+          <p:nvPr/>
+        </p:nvCxnSpPr>
+        <p:spPr>
+          <a:xfrm flipV="1">
+            <a:off x="7832439" y="2027380"/>
+            <a:ext cx="1874980" cy="55420"/>
+          </a:xfrm>
+          <a:prstGeom prst="straightConnector1">
+            <a:avLst/>
+          </a:prstGeom>
+          <a:ln>
+            <a:tailEnd type="triangle"/>
+          </a:ln>
+        </p:spPr>
+        <p:style>
+          <a:lnRef idx="2">
+            <a:schemeClr val="accent6"/>
+          </a:lnRef>
+          <a:fillRef idx="0">
+            <a:schemeClr val="accent6"/>
+          </a:fillRef>
+          <a:effectRef idx="1">
+            <a:schemeClr val="accent6"/>
+          </a:effectRef>
+          <a:fontRef idx="minor">
+            <a:schemeClr val="tx1"/>
+          </a:fontRef>
+        </p:style>
+      </p:cxnSp>
+    </p:spTree>
+    <p:extLst>
+      <p:ext uri="{BB962C8B-B14F-4D97-AF65-F5344CB8AC3E}">
+        <p14:creationId xmlns:p14="http://schemas.microsoft.com/office/powerpoint/2010/main" val="3590728658"/>
+      </p:ext>
+    </p:extLst>
+  </p:cSld>
+  <p:clrMapOvr>
+    <a:masterClrMapping/>
+  </p:clrMapOvr>
+</p:sld>
+</file>
+
 <file path=ppt/theme/theme1.xml><?xml version="1.0" encoding="utf-8"?>
 <a:theme xmlns:a="http://schemas.openxmlformats.org/drawingml/2006/main" name="Office 主题​​">
   <a:themeElements>

--- a/soft/软件设计师.pptx
+++ b/soft/软件设计师.pptx
@@ -9,6 +9,7 @@
     <p:sldId id="257" r:id="rId3"/>
     <p:sldId id="258" r:id="rId4"/>
     <p:sldId id="259" r:id="rId5"/>
+    <p:sldId id="260" r:id="rId6"/>
   </p:sldIdLst>
   <p:sldSz cx="12192000" cy="6858000"/>
   <p:notesSz cx="6858000" cy="9144000"/>
@@ -262,7 +263,7 @@
           <a:p>
             <a:fld id="{59767A5D-75E6-4090-A9A2-19F46C902D8D}" type="datetimeFigureOut">
               <a:rPr lang="zh-CN" altLang="en-US" smtClean="0"/>
-              <a:t>2023/9/13</a:t>
+              <a:t>2023/9/14</a:t>
             </a:fld>
             <a:endParaRPr lang="zh-CN" altLang="en-US"/>
           </a:p>
@@ -460,7 +461,7 @@
           <a:p>
             <a:fld id="{59767A5D-75E6-4090-A9A2-19F46C902D8D}" type="datetimeFigureOut">
               <a:rPr lang="zh-CN" altLang="en-US" smtClean="0"/>
-              <a:t>2023/9/13</a:t>
+              <a:t>2023/9/14</a:t>
             </a:fld>
             <a:endParaRPr lang="zh-CN" altLang="en-US"/>
           </a:p>
@@ -668,7 +669,7 @@
           <a:p>
             <a:fld id="{59767A5D-75E6-4090-A9A2-19F46C902D8D}" type="datetimeFigureOut">
               <a:rPr lang="zh-CN" altLang="en-US" smtClean="0"/>
-              <a:t>2023/9/13</a:t>
+              <a:t>2023/9/14</a:t>
             </a:fld>
             <a:endParaRPr lang="zh-CN" altLang="en-US"/>
           </a:p>
@@ -866,7 +867,7 @@
           <a:p>
             <a:fld id="{59767A5D-75E6-4090-A9A2-19F46C902D8D}" type="datetimeFigureOut">
               <a:rPr lang="zh-CN" altLang="en-US" smtClean="0"/>
-              <a:t>2023/9/13</a:t>
+              <a:t>2023/9/14</a:t>
             </a:fld>
             <a:endParaRPr lang="zh-CN" altLang="en-US"/>
           </a:p>
@@ -1141,7 +1142,7 @@
           <a:p>
             <a:fld id="{59767A5D-75E6-4090-A9A2-19F46C902D8D}" type="datetimeFigureOut">
               <a:rPr lang="zh-CN" altLang="en-US" smtClean="0"/>
-              <a:t>2023/9/13</a:t>
+              <a:t>2023/9/14</a:t>
             </a:fld>
             <a:endParaRPr lang="zh-CN" altLang="en-US"/>
           </a:p>
@@ -1406,7 +1407,7 @@
           <a:p>
             <a:fld id="{59767A5D-75E6-4090-A9A2-19F46C902D8D}" type="datetimeFigureOut">
               <a:rPr lang="zh-CN" altLang="en-US" smtClean="0"/>
-              <a:t>2023/9/13</a:t>
+              <a:t>2023/9/14</a:t>
             </a:fld>
             <a:endParaRPr lang="zh-CN" altLang="en-US"/>
           </a:p>
@@ -1818,7 +1819,7 @@
           <a:p>
             <a:fld id="{59767A5D-75E6-4090-A9A2-19F46C902D8D}" type="datetimeFigureOut">
               <a:rPr lang="zh-CN" altLang="en-US" smtClean="0"/>
-              <a:t>2023/9/13</a:t>
+              <a:t>2023/9/14</a:t>
             </a:fld>
             <a:endParaRPr lang="zh-CN" altLang="en-US"/>
           </a:p>
@@ -1959,7 +1960,7 @@
           <a:p>
             <a:fld id="{59767A5D-75E6-4090-A9A2-19F46C902D8D}" type="datetimeFigureOut">
               <a:rPr lang="zh-CN" altLang="en-US" smtClean="0"/>
-              <a:t>2023/9/13</a:t>
+              <a:t>2023/9/14</a:t>
             </a:fld>
             <a:endParaRPr lang="zh-CN" altLang="en-US"/>
           </a:p>
@@ -2072,7 +2073,7 @@
           <a:p>
             <a:fld id="{59767A5D-75E6-4090-A9A2-19F46C902D8D}" type="datetimeFigureOut">
               <a:rPr lang="zh-CN" altLang="en-US" smtClean="0"/>
-              <a:t>2023/9/13</a:t>
+              <a:t>2023/9/14</a:t>
             </a:fld>
             <a:endParaRPr lang="zh-CN" altLang="en-US"/>
           </a:p>
@@ -2383,7 +2384,7 @@
           <a:p>
             <a:fld id="{59767A5D-75E6-4090-A9A2-19F46C902D8D}" type="datetimeFigureOut">
               <a:rPr lang="zh-CN" altLang="en-US" smtClean="0"/>
-              <a:t>2023/9/13</a:t>
+              <a:t>2023/9/14</a:t>
             </a:fld>
             <a:endParaRPr lang="zh-CN" altLang="en-US"/>
           </a:p>
@@ -2671,7 +2672,7 @@
           <a:p>
             <a:fld id="{59767A5D-75E6-4090-A9A2-19F46C902D8D}" type="datetimeFigureOut">
               <a:rPr lang="zh-CN" altLang="en-US" smtClean="0"/>
-              <a:t>2023/9/13</a:t>
+              <a:t>2023/9/14</a:t>
             </a:fld>
             <a:endParaRPr lang="zh-CN" altLang="en-US"/>
           </a:p>
@@ -2912,7 +2913,7 @@
           <a:p>
             <a:fld id="{59767A5D-75E6-4090-A9A2-19F46C902D8D}" type="datetimeFigureOut">
               <a:rPr lang="zh-CN" altLang="en-US" smtClean="0"/>
-              <a:t>2023/9/13</a:t>
+              <a:t>2023/9/14</a:t>
             </a:fld>
             <a:endParaRPr lang="zh-CN" altLang="en-US"/>
           </a:p>
@@ -5225,6 +5226,788 @@
 </p:sld>
 </file>
 
+<file path=ppt/slides/slide5.xml><?xml version="1.0" encoding="utf-8"?>
+<p:sld xmlns:a="http://schemas.openxmlformats.org/drawingml/2006/main" xmlns:r="http://schemas.openxmlformats.org/officeDocument/2006/relationships" xmlns:p="http://schemas.openxmlformats.org/presentationml/2006/main">
+  <p:cSld>
+    <p:spTree>
+      <p:nvGrpSpPr>
+        <p:cNvPr id="1" name=""/>
+        <p:cNvGrpSpPr/>
+        <p:nvPr/>
+      </p:nvGrpSpPr>
+      <p:grpSpPr>
+        <a:xfrm>
+          <a:off x="0" y="0"/>
+          <a:ext cx="0" cy="0"/>
+          <a:chOff x="0" y="0"/>
+          <a:chExt cx="0" cy="0"/>
+        </a:xfrm>
+      </p:grpSpPr>
+      <p:sp>
+        <p:nvSpPr>
+          <p:cNvPr id="5" name="箭头: 上 4">
+            <a:extLst>
+              <a:ext uri="{FF2B5EF4-FFF2-40B4-BE49-F238E27FC236}">
+                <a16:creationId xmlns:a16="http://schemas.microsoft.com/office/drawing/2014/main" id="{F1748B72-A962-2B2B-997B-1046F220CBA8}"/>
+              </a:ext>
+            </a:extLst>
+          </p:cNvPr>
+          <p:cNvSpPr/>
+          <p:nvPr/>
+        </p:nvSpPr>
+        <p:spPr>
+          <a:xfrm>
+            <a:off x="1272845" y="1420977"/>
+            <a:ext cx="643738" cy="4016045"/>
+          </a:xfrm>
+          <a:prstGeom prst="upArrow">
+            <a:avLst/>
+          </a:prstGeom>
+        </p:spPr>
+        <p:style>
+          <a:lnRef idx="1">
+            <a:schemeClr val="accent6"/>
+          </a:lnRef>
+          <a:fillRef idx="3">
+            <a:schemeClr val="accent6"/>
+          </a:fillRef>
+          <a:effectRef idx="2">
+            <a:schemeClr val="accent6"/>
+          </a:effectRef>
+          <a:fontRef idx="minor">
+            <a:schemeClr val="lt1"/>
+          </a:fontRef>
+        </p:style>
+        <p:txBody>
+          <a:bodyPr rtlCol="0" anchor="ctr"/>
+          <a:lstStyle/>
+          <a:p>
+            <a:pPr algn="ctr"/>
+            <a:endParaRPr lang="zh-CN" altLang="en-US"/>
+          </a:p>
+        </p:txBody>
+      </p:sp>
+      <p:sp>
+        <p:nvSpPr>
+          <p:cNvPr id="6" name="文本框 5">
+            <a:extLst>
+              <a:ext uri="{FF2B5EF4-FFF2-40B4-BE49-F238E27FC236}">
+                <a16:creationId xmlns:a16="http://schemas.microsoft.com/office/drawing/2014/main" id="{E54B69E5-6914-350D-640B-D3839CD38B5A}"/>
+              </a:ext>
+            </a:extLst>
+          </p:cNvPr>
+          <p:cNvSpPr txBox="1"/>
+          <p:nvPr/>
+        </p:nvSpPr>
+        <p:spPr>
+          <a:xfrm>
+            <a:off x="634392" y="3160166"/>
+            <a:ext cx="646331" cy="369332"/>
+          </a:xfrm>
+          <a:prstGeom prst="rect">
+            <a:avLst/>
+          </a:prstGeom>
+          <a:noFill/>
+        </p:spPr>
+        <p:txBody>
+          <a:bodyPr wrap="none" rtlCol="0">
+            <a:spAutoFit/>
+          </a:bodyPr>
+          <a:lstStyle/>
+          <a:p>
+            <a:r>
+              <a:rPr lang="zh-CN" altLang="en-US" dirty="0"/>
+              <a:t>速度</a:t>
+            </a:r>
+          </a:p>
+        </p:txBody>
+      </p:sp>
+      <p:sp>
+        <p:nvSpPr>
+          <p:cNvPr id="7" name="文本框 6">
+            <a:extLst>
+              <a:ext uri="{FF2B5EF4-FFF2-40B4-BE49-F238E27FC236}">
+                <a16:creationId xmlns:a16="http://schemas.microsoft.com/office/drawing/2014/main" id="{7D433D2A-C795-98A1-FCE2-B62F835D6D49}"/>
+              </a:ext>
+            </a:extLst>
+          </p:cNvPr>
+          <p:cNvSpPr txBox="1"/>
+          <p:nvPr/>
+        </p:nvSpPr>
+        <p:spPr>
+          <a:xfrm>
+            <a:off x="749809" y="1578864"/>
+            <a:ext cx="415498" cy="369332"/>
+          </a:xfrm>
+          <a:prstGeom prst="rect">
+            <a:avLst/>
+          </a:prstGeom>
+          <a:noFill/>
+        </p:spPr>
+        <p:txBody>
+          <a:bodyPr wrap="none" rtlCol="0">
+            <a:spAutoFit/>
+          </a:bodyPr>
+          <a:lstStyle/>
+          <a:p>
+            <a:r>
+              <a:rPr lang="zh-CN" altLang="en-US" dirty="0"/>
+              <a:t>快</a:t>
+            </a:r>
+          </a:p>
+        </p:txBody>
+      </p:sp>
+      <p:sp>
+        <p:nvSpPr>
+          <p:cNvPr id="8" name="文本框 7">
+            <a:extLst>
+              <a:ext uri="{FF2B5EF4-FFF2-40B4-BE49-F238E27FC236}">
+                <a16:creationId xmlns:a16="http://schemas.microsoft.com/office/drawing/2014/main" id="{2832FD74-057B-C15D-69E7-59E15B985C68}"/>
+              </a:ext>
+            </a:extLst>
+          </p:cNvPr>
+          <p:cNvSpPr txBox="1"/>
+          <p:nvPr/>
+        </p:nvSpPr>
+        <p:spPr>
+          <a:xfrm>
+            <a:off x="749809" y="4958443"/>
+            <a:ext cx="415498" cy="369332"/>
+          </a:xfrm>
+          <a:prstGeom prst="rect">
+            <a:avLst/>
+          </a:prstGeom>
+          <a:noFill/>
+        </p:spPr>
+        <p:txBody>
+          <a:bodyPr wrap="none" rtlCol="0">
+            <a:spAutoFit/>
+          </a:bodyPr>
+          <a:lstStyle/>
+          <a:p>
+            <a:r>
+              <a:rPr lang="zh-CN" altLang="en-US" dirty="0"/>
+              <a:t>慢</a:t>
+            </a:r>
+          </a:p>
+        </p:txBody>
+      </p:sp>
+      <p:sp>
+        <p:nvSpPr>
+          <p:cNvPr id="9" name="矩形 8">
+            <a:extLst>
+              <a:ext uri="{FF2B5EF4-FFF2-40B4-BE49-F238E27FC236}">
+                <a16:creationId xmlns:a16="http://schemas.microsoft.com/office/drawing/2014/main" id="{5822120B-FBA6-96CD-4840-604CE1AA7D6A}"/>
+              </a:ext>
+            </a:extLst>
+          </p:cNvPr>
+          <p:cNvSpPr/>
+          <p:nvPr/>
+        </p:nvSpPr>
+        <p:spPr>
+          <a:xfrm>
+            <a:off x="2560320" y="1111910"/>
+            <a:ext cx="3313786" cy="577901"/>
+          </a:xfrm>
+          <a:prstGeom prst="rect">
+            <a:avLst/>
+          </a:prstGeom>
+        </p:spPr>
+        <p:style>
+          <a:lnRef idx="1">
+            <a:schemeClr val="accent6"/>
+          </a:lnRef>
+          <a:fillRef idx="2">
+            <a:schemeClr val="accent6"/>
+          </a:fillRef>
+          <a:effectRef idx="1">
+            <a:schemeClr val="accent6"/>
+          </a:effectRef>
+          <a:fontRef idx="minor">
+            <a:schemeClr val="dk1"/>
+          </a:fontRef>
+        </p:style>
+        <p:txBody>
+          <a:bodyPr rtlCol="0" anchor="ctr"/>
+          <a:lstStyle/>
+          <a:p>
+            <a:pPr algn="ctr"/>
+            <a:r>
+              <a:rPr lang="en-US" altLang="zh-CN" dirty="0"/>
+              <a:t>CPU</a:t>
+            </a:r>
+            <a:endParaRPr lang="zh-CN" altLang="en-US" dirty="0"/>
+          </a:p>
+        </p:txBody>
+      </p:sp>
+      <p:sp>
+        <p:nvSpPr>
+          <p:cNvPr id="10" name="矩形 9">
+            <a:extLst>
+              <a:ext uri="{FF2B5EF4-FFF2-40B4-BE49-F238E27FC236}">
+                <a16:creationId xmlns:a16="http://schemas.microsoft.com/office/drawing/2014/main" id="{23EA2FF5-78DE-A360-B7AE-7AEA205700D9}"/>
+              </a:ext>
+            </a:extLst>
+          </p:cNvPr>
+          <p:cNvSpPr/>
+          <p:nvPr/>
+        </p:nvSpPr>
+        <p:spPr>
+          <a:xfrm>
+            <a:off x="2560320" y="2427427"/>
+            <a:ext cx="3313786" cy="577901"/>
+          </a:xfrm>
+          <a:prstGeom prst="rect">
+            <a:avLst/>
+          </a:prstGeom>
+        </p:spPr>
+        <p:style>
+          <a:lnRef idx="1">
+            <a:schemeClr val="accent6"/>
+          </a:lnRef>
+          <a:fillRef idx="2">
+            <a:schemeClr val="accent6"/>
+          </a:fillRef>
+          <a:effectRef idx="1">
+            <a:schemeClr val="accent6"/>
+          </a:effectRef>
+          <a:fontRef idx="minor">
+            <a:schemeClr val="dk1"/>
+          </a:fontRef>
+        </p:style>
+        <p:txBody>
+          <a:bodyPr rtlCol="0" anchor="ctr"/>
+          <a:lstStyle/>
+          <a:p>
+            <a:pPr algn="ctr"/>
+            <a:r>
+              <a:rPr lang="en-US" altLang="zh-CN" dirty="0"/>
+              <a:t>Cache</a:t>
+            </a:r>
+            <a:endParaRPr lang="zh-CN" altLang="en-US" dirty="0"/>
+          </a:p>
+        </p:txBody>
+      </p:sp>
+      <p:sp>
+        <p:nvSpPr>
+          <p:cNvPr id="11" name="矩形 10">
+            <a:extLst>
+              <a:ext uri="{FF2B5EF4-FFF2-40B4-BE49-F238E27FC236}">
+                <a16:creationId xmlns:a16="http://schemas.microsoft.com/office/drawing/2014/main" id="{F7BBAC2E-C504-3BA4-3FF6-8BC8D9674E0E}"/>
+              </a:ext>
+            </a:extLst>
+          </p:cNvPr>
+          <p:cNvSpPr/>
+          <p:nvPr/>
+        </p:nvSpPr>
+        <p:spPr>
+          <a:xfrm>
+            <a:off x="2560320" y="3742944"/>
+            <a:ext cx="3313786" cy="577901"/>
+          </a:xfrm>
+          <a:prstGeom prst="rect">
+            <a:avLst/>
+          </a:prstGeom>
+        </p:spPr>
+        <p:style>
+          <a:lnRef idx="1">
+            <a:schemeClr val="accent6"/>
+          </a:lnRef>
+          <a:fillRef idx="2">
+            <a:schemeClr val="accent6"/>
+          </a:fillRef>
+          <a:effectRef idx="1">
+            <a:schemeClr val="accent6"/>
+          </a:effectRef>
+          <a:fontRef idx="minor">
+            <a:schemeClr val="dk1"/>
+          </a:fontRef>
+        </p:style>
+        <p:txBody>
+          <a:bodyPr rtlCol="0" anchor="ctr"/>
+          <a:lstStyle/>
+          <a:p>
+            <a:pPr algn="ctr"/>
+            <a:r>
+              <a:rPr lang="zh-CN" altLang="en-US" dirty="0"/>
+              <a:t>内存（主存）</a:t>
+            </a:r>
+          </a:p>
+        </p:txBody>
+      </p:sp>
+      <p:sp>
+        <p:nvSpPr>
+          <p:cNvPr id="12" name="矩形 11">
+            <a:extLst>
+              <a:ext uri="{FF2B5EF4-FFF2-40B4-BE49-F238E27FC236}">
+                <a16:creationId xmlns:a16="http://schemas.microsoft.com/office/drawing/2014/main" id="{4AE45E37-C5B0-11D9-0D0B-838DD80B276A}"/>
+              </a:ext>
+            </a:extLst>
+          </p:cNvPr>
+          <p:cNvSpPr/>
+          <p:nvPr/>
+        </p:nvSpPr>
+        <p:spPr>
+          <a:xfrm>
+            <a:off x="2560320" y="5058461"/>
+            <a:ext cx="3313786" cy="577901"/>
+          </a:xfrm>
+          <a:prstGeom prst="rect">
+            <a:avLst/>
+          </a:prstGeom>
+        </p:spPr>
+        <p:style>
+          <a:lnRef idx="1">
+            <a:schemeClr val="accent6"/>
+          </a:lnRef>
+          <a:fillRef idx="2">
+            <a:schemeClr val="accent6"/>
+          </a:fillRef>
+          <a:effectRef idx="1">
+            <a:schemeClr val="accent6"/>
+          </a:effectRef>
+          <a:fontRef idx="minor">
+            <a:schemeClr val="dk1"/>
+          </a:fontRef>
+        </p:style>
+        <p:txBody>
+          <a:bodyPr rtlCol="0" anchor="ctr"/>
+          <a:lstStyle/>
+          <a:p>
+            <a:pPr algn="ctr"/>
+            <a:r>
+              <a:rPr lang="zh-CN" altLang="en-US" dirty="0"/>
+              <a:t>外存（辅助）</a:t>
+            </a:r>
+          </a:p>
+        </p:txBody>
+      </p:sp>
+      <p:sp>
+        <p:nvSpPr>
+          <p:cNvPr id="13" name="箭头: 上下 12">
+            <a:extLst>
+              <a:ext uri="{FF2B5EF4-FFF2-40B4-BE49-F238E27FC236}">
+                <a16:creationId xmlns:a16="http://schemas.microsoft.com/office/drawing/2014/main" id="{71512C16-9B08-5F29-C4F5-5855CFAB8465}"/>
+              </a:ext>
+            </a:extLst>
+          </p:cNvPr>
+          <p:cNvSpPr/>
+          <p:nvPr/>
+        </p:nvSpPr>
+        <p:spPr>
+          <a:xfrm>
+            <a:off x="4052621" y="1806244"/>
+            <a:ext cx="226771" cy="504749"/>
+          </a:xfrm>
+          <a:prstGeom prst="upDownArrow">
+            <a:avLst/>
+          </a:prstGeom>
+        </p:spPr>
+        <p:style>
+          <a:lnRef idx="3">
+            <a:schemeClr val="lt1"/>
+          </a:lnRef>
+          <a:fillRef idx="1">
+            <a:schemeClr val="accent6"/>
+          </a:fillRef>
+          <a:effectRef idx="1">
+            <a:schemeClr val="accent6"/>
+          </a:effectRef>
+          <a:fontRef idx="minor">
+            <a:schemeClr val="lt1"/>
+          </a:fontRef>
+        </p:style>
+        <p:txBody>
+          <a:bodyPr rtlCol="0" anchor="ctr"/>
+          <a:lstStyle/>
+          <a:p>
+            <a:pPr algn="ctr"/>
+            <a:endParaRPr lang="zh-CN" altLang="en-US"/>
+          </a:p>
+        </p:txBody>
+      </p:sp>
+      <p:sp>
+        <p:nvSpPr>
+          <p:cNvPr id="14" name="箭头: 上下 13">
+            <a:extLst>
+              <a:ext uri="{FF2B5EF4-FFF2-40B4-BE49-F238E27FC236}">
+                <a16:creationId xmlns:a16="http://schemas.microsoft.com/office/drawing/2014/main" id="{34627189-C389-4D2D-E99E-EDE7EFBDB03C}"/>
+              </a:ext>
+            </a:extLst>
+          </p:cNvPr>
+          <p:cNvSpPr/>
+          <p:nvPr/>
+        </p:nvSpPr>
+        <p:spPr>
+          <a:xfrm>
+            <a:off x="4052620" y="3121761"/>
+            <a:ext cx="226771" cy="504749"/>
+          </a:xfrm>
+          <a:prstGeom prst="upDownArrow">
+            <a:avLst/>
+          </a:prstGeom>
+        </p:spPr>
+        <p:style>
+          <a:lnRef idx="3">
+            <a:schemeClr val="lt1"/>
+          </a:lnRef>
+          <a:fillRef idx="1">
+            <a:schemeClr val="accent6"/>
+          </a:fillRef>
+          <a:effectRef idx="1">
+            <a:schemeClr val="accent6"/>
+          </a:effectRef>
+          <a:fontRef idx="minor">
+            <a:schemeClr val="lt1"/>
+          </a:fontRef>
+        </p:style>
+        <p:txBody>
+          <a:bodyPr rtlCol="0" anchor="ctr"/>
+          <a:lstStyle/>
+          <a:p>
+            <a:pPr algn="ctr"/>
+            <a:endParaRPr lang="zh-CN" altLang="en-US"/>
+          </a:p>
+        </p:txBody>
+      </p:sp>
+      <p:sp>
+        <p:nvSpPr>
+          <p:cNvPr id="15" name="箭头: 上下 14">
+            <a:extLst>
+              <a:ext uri="{FF2B5EF4-FFF2-40B4-BE49-F238E27FC236}">
+                <a16:creationId xmlns:a16="http://schemas.microsoft.com/office/drawing/2014/main" id="{A1F76D57-996E-7315-8B5A-ABA568941B70}"/>
+              </a:ext>
+            </a:extLst>
+          </p:cNvPr>
+          <p:cNvSpPr/>
+          <p:nvPr/>
+        </p:nvSpPr>
+        <p:spPr>
+          <a:xfrm>
+            <a:off x="4052619" y="4453694"/>
+            <a:ext cx="226771" cy="504749"/>
+          </a:xfrm>
+          <a:prstGeom prst="upDownArrow">
+            <a:avLst/>
+          </a:prstGeom>
+        </p:spPr>
+        <p:style>
+          <a:lnRef idx="3">
+            <a:schemeClr val="lt1"/>
+          </a:lnRef>
+          <a:fillRef idx="1">
+            <a:schemeClr val="accent6"/>
+          </a:fillRef>
+          <a:effectRef idx="1">
+            <a:schemeClr val="accent6"/>
+          </a:effectRef>
+          <a:fontRef idx="minor">
+            <a:schemeClr val="lt1"/>
+          </a:fontRef>
+        </p:style>
+        <p:txBody>
+          <a:bodyPr rtlCol="0" anchor="ctr"/>
+          <a:lstStyle/>
+          <a:p>
+            <a:pPr algn="ctr"/>
+            <a:endParaRPr lang="zh-CN" altLang="en-US"/>
+          </a:p>
+        </p:txBody>
+      </p:sp>
+      <p:sp>
+        <p:nvSpPr>
+          <p:cNvPr id="16" name="矩形 15">
+            <a:extLst>
+              <a:ext uri="{FF2B5EF4-FFF2-40B4-BE49-F238E27FC236}">
+                <a16:creationId xmlns:a16="http://schemas.microsoft.com/office/drawing/2014/main" id="{74950214-4387-E1E5-087F-44F7F519CEB4}"/>
+              </a:ext>
+            </a:extLst>
+          </p:cNvPr>
+          <p:cNvSpPr/>
+          <p:nvPr/>
+        </p:nvSpPr>
+        <p:spPr>
+          <a:xfrm>
+            <a:off x="7088428" y="1111909"/>
+            <a:ext cx="2918765" cy="577902"/>
+          </a:xfrm>
+          <a:prstGeom prst="rect">
+            <a:avLst/>
+          </a:prstGeom>
+        </p:spPr>
+        <p:style>
+          <a:lnRef idx="2">
+            <a:schemeClr val="accent4">
+              <a:shade val="15000"/>
+            </a:schemeClr>
+          </a:lnRef>
+          <a:fillRef idx="1">
+            <a:schemeClr val="accent4"/>
+          </a:fillRef>
+          <a:effectRef idx="0">
+            <a:schemeClr val="accent4"/>
+          </a:effectRef>
+          <a:fontRef idx="minor">
+            <a:schemeClr val="lt1"/>
+          </a:fontRef>
+        </p:style>
+        <p:txBody>
+          <a:bodyPr rtlCol="0" anchor="ctr"/>
+          <a:lstStyle/>
+          <a:p>
+            <a:pPr algn="ctr"/>
+            <a:r>
+              <a:rPr lang="zh-CN" altLang="en-US" dirty="0"/>
+              <a:t>寄存器</a:t>
+            </a:r>
+          </a:p>
+        </p:txBody>
+      </p:sp>
+      <p:cxnSp>
+        <p:nvCxnSpPr>
+          <p:cNvPr id="18" name="直接箭头连接符 17">
+            <a:extLst>
+              <a:ext uri="{FF2B5EF4-FFF2-40B4-BE49-F238E27FC236}">
+                <a16:creationId xmlns:a16="http://schemas.microsoft.com/office/drawing/2014/main" id="{16693D2D-9857-4794-E574-6884CF613AA9}"/>
+              </a:ext>
+            </a:extLst>
+          </p:cNvPr>
+          <p:cNvCxnSpPr>
+            <a:cxnSpLocks/>
+            <a:stCxn id="9" idx="3"/>
+            <a:endCxn id="16" idx="1"/>
+          </p:cNvCxnSpPr>
+          <p:nvPr/>
+        </p:nvCxnSpPr>
+        <p:spPr>
+          <a:xfrm flipV="1">
+            <a:off x="5874106" y="1400860"/>
+            <a:ext cx="1214322" cy="1"/>
+          </a:xfrm>
+          <a:prstGeom prst="straightConnector1">
+            <a:avLst/>
+          </a:prstGeom>
+          <a:ln>
+            <a:tailEnd type="triangle"/>
+          </a:ln>
+        </p:spPr>
+        <p:style>
+          <a:lnRef idx="1">
+            <a:schemeClr val="accent1"/>
+          </a:lnRef>
+          <a:fillRef idx="0">
+            <a:schemeClr val="accent1"/>
+          </a:fillRef>
+          <a:effectRef idx="0">
+            <a:schemeClr val="accent1"/>
+          </a:effectRef>
+          <a:fontRef idx="minor">
+            <a:schemeClr val="tx1"/>
+          </a:fontRef>
+        </p:style>
+      </p:cxnSp>
+      <p:sp>
+        <p:nvSpPr>
+          <p:cNvPr id="20" name="矩形 19">
+            <a:extLst>
+              <a:ext uri="{FF2B5EF4-FFF2-40B4-BE49-F238E27FC236}">
+                <a16:creationId xmlns:a16="http://schemas.microsoft.com/office/drawing/2014/main" id="{25420B96-57B3-B303-ACC9-140878754D7D}"/>
+              </a:ext>
+            </a:extLst>
+          </p:cNvPr>
+          <p:cNvSpPr/>
+          <p:nvPr/>
+        </p:nvSpPr>
+        <p:spPr>
+          <a:xfrm>
+            <a:off x="7088428" y="2427426"/>
+            <a:ext cx="2918765" cy="577902"/>
+          </a:xfrm>
+          <a:prstGeom prst="rect">
+            <a:avLst/>
+          </a:prstGeom>
+        </p:spPr>
+        <p:style>
+          <a:lnRef idx="2">
+            <a:schemeClr val="accent2">
+              <a:shade val="15000"/>
+            </a:schemeClr>
+          </a:lnRef>
+          <a:fillRef idx="1">
+            <a:schemeClr val="accent2"/>
+          </a:fillRef>
+          <a:effectRef idx="0">
+            <a:schemeClr val="accent2"/>
+          </a:effectRef>
+          <a:fontRef idx="minor">
+            <a:schemeClr val="lt1"/>
+          </a:fontRef>
+        </p:style>
+        <p:txBody>
+          <a:bodyPr rtlCol="0" anchor="ctr"/>
+          <a:lstStyle/>
+          <a:p>
+            <a:pPr algn="ctr"/>
+            <a:r>
+              <a:rPr lang="zh-CN" altLang="en-US" dirty="0"/>
+              <a:t>按内容读取</a:t>
+            </a:r>
+          </a:p>
+        </p:txBody>
+      </p:sp>
+      <p:cxnSp>
+        <p:nvCxnSpPr>
+          <p:cNvPr id="22" name="直接箭头连接符 21">
+            <a:extLst>
+              <a:ext uri="{FF2B5EF4-FFF2-40B4-BE49-F238E27FC236}">
+                <a16:creationId xmlns:a16="http://schemas.microsoft.com/office/drawing/2014/main" id="{71369C23-7F25-9736-2980-D3474E7CD8CD}"/>
+              </a:ext>
+            </a:extLst>
+          </p:cNvPr>
+          <p:cNvCxnSpPr>
+            <a:stCxn id="10" idx="3"/>
+            <a:endCxn id="20" idx="1"/>
+          </p:cNvCxnSpPr>
+          <p:nvPr/>
+        </p:nvCxnSpPr>
+        <p:spPr>
+          <a:xfrm flipV="1">
+            <a:off x="5874106" y="2716377"/>
+            <a:ext cx="1214322" cy="1"/>
+          </a:xfrm>
+          <a:prstGeom prst="straightConnector1">
+            <a:avLst/>
+          </a:prstGeom>
+          <a:ln>
+            <a:tailEnd type="triangle"/>
+          </a:ln>
+        </p:spPr>
+        <p:style>
+          <a:lnRef idx="1">
+            <a:schemeClr val="accent1"/>
+          </a:lnRef>
+          <a:fillRef idx="0">
+            <a:schemeClr val="accent1"/>
+          </a:fillRef>
+          <a:effectRef idx="0">
+            <a:schemeClr val="accent1"/>
+          </a:effectRef>
+          <a:fontRef idx="minor">
+            <a:schemeClr val="tx1"/>
+          </a:fontRef>
+        </p:style>
+      </p:cxnSp>
+      <p:sp>
+        <p:nvSpPr>
+          <p:cNvPr id="23" name="矩形 22">
+            <a:extLst>
+              <a:ext uri="{FF2B5EF4-FFF2-40B4-BE49-F238E27FC236}">
+                <a16:creationId xmlns:a16="http://schemas.microsoft.com/office/drawing/2014/main" id="{CF88A714-2009-E3D4-0E2F-AB4364C7FB50}"/>
+              </a:ext>
+            </a:extLst>
+          </p:cNvPr>
+          <p:cNvSpPr/>
+          <p:nvPr/>
+        </p:nvSpPr>
+        <p:spPr>
+          <a:xfrm>
+            <a:off x="7088427" y="5058461"/>
+            <a:ext cx="2918765" cy="577902"/>
+          </a:xfrm>
+          <a:prstGeom prst="rect">
+            <a:avLst/>
+          </a:prstGeom>
+        </p:spPr>
+        <p:style>
+          <a:lnRef idx="2">
+            <a:schemeClr val="accent5">
+              <a:shade val="15000"/>
+            </a:schemeClr>
+          </a:lnRef>
+          <a:fillRef idx="1">
+            <a:schemeClr val="accent5"/>
+          </a:fillRef>
+          <a:effectRef idx="0">
+            <a:schemeClr val="accent5"/>
+          </a:effectRef>
+          <a:fontRef idx="minor">
+            <a:schemeClr val="lt1"/>
+          </a:fontRef>
+        </p:style>
+        <p:txBody>
+          <a:bodyPr rtlCol="0" anchor="ctr"/>
+          <a:lstStyle/>
+          <a:p>
+            <a:pPr algn="ctr"/>
+            <a:r>
+              <a:rPr lang="zh-CN" altLang="en-US" dirty="0"/>
+              <a:t>硬盘、光盘、</a:t>
+            </a:r>
+            <a:r>
+              <a:rPr lang="en-US" altLang="zh-CN" dirty="0"/>
+              <a:t>U</a:t>
+            </a:r>
+            <a:r>
+              <a:rPr lang="zh-CN" altLang="en-US" dirty="0"/>
+              <a:t>盘等</a:t>
+            </a:r>
+          </a:p>
+        </p:txBody>
+      </p:sp>
+      <p:cxnSp>
+        <p:nvCxnSpPr>
+          <p:cNvPr id="24" name="直接箭头连接符 23">
+            <a:extLst>
+              <a:ext uri="{FF2B5EF4-FFF2-40B4-BE49-F238E27FC236}">
+                <a16:creationId xmlns:a16="http://schemas.microsoft.com/office/drawing/2014/main" id="{D841C4C3-55A1-8170-89F7-B902763676E0}"/>
+              </a:ext>
+            </a:extLst>
+          </p:cNvPr>
+          <p:cNvCxnSpPr>
+            <a:cxnSpLocks/>
+          </p:cNvCxnSpPr>
+          <p:nvPr/>
+        </p:nvCxnSpPr>
+        <p:spPr>
+          <a:xfrm flipV="1">
+            <a:off x="5874105" y="5334608"/>
+            <a:ext cx="1214322" cy="1"/>
+          </a:xfrm>
+          <a:prstGeom prst="straightConnector1">
+            <a:avLst/>
+          </a:prstGeom>
+          <a:ln>
+            <a:tailEnd type="triangle"/>
+          </a:ln>
+        </p:spPr>
+        <p:style>
+          <a:lnRef idx="1">
+            <a:schemeClr val="accent1"/>
+          </a:lnRef>
+          <a:fillRef idx="0">
+            <a:schemeClr val="accent1"/>
+          </a:fillRef>
+          <a:effectRef idx="0">
+            <a:schemeClr val="accent1"/>
+          </a:effectRef>
+          <a:fontRef idx="minor">
+            <a:schemeClr val="tx1"/>
+          </a:fontRef>
+        </p:style>
+      </p:cxnSp>
+    </p:spTree>
+    <p:extLst>
+      <p:ext uri="{BB962C8B-B14F-4D97-AF65-F5344CB8AC3E}">
+        <p14:creationId xmlns:p14="http://schemas.microsoft.com/office/powerpoint/2010/main" val="313932943"/>
+      </p:ext>
+    </p:extLst>
+  </p:cSld>
+  <p:clrMapOvr>
+    <a:masterClrMapping/>
+  </p:clrMapOvr>
+</p:sld>
+</file>
+
 <file path=ppt/theme/theme1.xml><?xml version="1.0" encoding="utf-8"?>
 <a:theme xmlns:a="http://schemas.openxmlformats.org/drawingml/2006/main" name="Office 主题​​">
   <a:themeElements>
